--- a/논리적erd.pptx
+++ b/논리적erd.pptx
@@ -104,6 +104,11 @@
       </a:defRPr>
     </a:lvl9pPr>
   </p:defaultTextStyle>
+  <p:extLst>
+    <p:ext uri="{EFAFB233-063F-42B5-8137-9DF3F51BA10A}">
+      <p15:sldGuideLst xmlns:p15="http://schemas.microsoft.com/office/powerpoint/2012/main"/>
+    </p:ext>
+  </p:extLst>
 </p:presentation>
 </file>
 
@@ -238,7 +243,7 @@
           <a:p>
             <a:fld id="{1D09B6D8-78CB-4C4F-A63A-CD2E05D5629A}" type="datetimeFigureOut">
               <a:rPr lang="ko-KR" altLang="en-US" smtClean="0"/>
-              <a:t>2023-07-25</a:t>
+              <a:t>2023-07-28</a:t>
             </a:fld>
             <a:endParaRPr lang="ko-KR" altLang="en-US"/>
           </a:p>
@@ -408,7 +413,7 @@
           <a:p>
             <a:fld id="{1D09B6D8-78CB-4C4F-A63A-CD2E05D5629A}" type="datetimeFigureOut">
               <a:rPr lang="ko-KR" altLang="en-US" smtClean="0"/>
-              <a:t>2023-07-25</a:t>
+              <a:t>2023-07-28</a:t>
             </a:fld>
             <a:endParaRPr lang="ko-KR" altLang="en-US"/>
           </a:p>
@@ -588,7 +593,7 @@
           <a:p>
             <a:fld id="{1D09B6D8-78CB-4C4F-A63A-CD2E05D5629A}" type="datetimeFigureOut">
               <a:rPr lang="ko-KR" altLang="en-US" smtClean="0"/>
-              <a:t>2023-07-25</a:t>
+              <a:t>2023-07-28</a:t>
             </a:fld>
             <a:endParaRPr lang="ko-KR" altLang="en-US"/>
           </a:p>
@@ -758,7 +763,7 @@
           <a:p>
             <a:fld id="{1D09B6D8-78CB-4C4F-A63A-CD2E05D5629A}" type="datetimeFigureOut">
               <a:rPr lang="ko-KR" altLang="en-US" smtClean="0"/>
-              <a:t>2023-07-25</a:t>
+              <a:t>2023-07-28</a:t>
             </a:fld>
             <a:endParaRPr lang="ko-KR" altLang="en-US"/>
           </a:p>
@@ -1002,7 +1007,7 @@
           <a:p>
             <a:fld id="{1D09B6D8-78CB-4C4F-A63A-CD2E05D5629A}" type="datetimeFigureOut">
               <a:rPr lang="ko-KR" altLang="en-US" smtClean="0"/>
-              <a:t>2023-07-25</a:t>
+              <a:t>2023-07-28</a:t>
             </a:fld>
             <a:endParaRPr lang="ko-KR" altLang="en-US"/>
           </a:p>
@@ -1234,7 +1239,7 @@
           <a:p>
             <a:fld id="{1D09B6D8-78CB-4C4F-A63A-CD2E05D5629A}" type="datetimeFigureOut">
               <a:rPr lang="ko-KR" altLang="en-US" smtClean="0"/>
-              <a:t>2023-07-25</a:t>
+              <a:t>2023-07-28</a:t>
             </a:fld>
             <a:endParaRPr lang="ko-KR" altLang="en-US"/>
           </a:p>
@@ -1601,7 +1606,7 @@
           <a:p>
             <a:fld id="{1D09B6D8-78CB-4C4F-A63A-CD2E05D5629A}" type="datetimeFigureOut">
               <a:rPr lang="ko-KR" altLang="en-US" smtClean="0"/>
-              <a:t>2023-07-25</a:t>
+              <a:t>2023-07-28</a:t>
             </a:fld>
             <a:endParaRPr lang="ko-KR" altLang="en-US"/>
           </a:p>
@@ -1719,7 +1724,7 @@
           <a:p>
             <a:fld id="{1D09B6D8-78CB-4C4F-A63A-CD2E05D5629A}" type="datetimeFigureOut">
               <a:rPr lang="ko-KR" altLang="en-US" smtClean="0"/>
-              <a:t>2023-07-25</a:t>
+              <a:t>2023-07-28</a:t>
             </a:fld>
             <a:endParaRPr lang="ko-KR" altLang="en-US"/>
           </a:p>
@@ -1814,7 +1819,7 @@
           <a:p>
             <a:fld id="{1D09B6D8-78CB-4C4F-A63A-CD2E05D5629A}" type="datetimeFigureOut">
               <a:rPr lang="ko-KR" altLang="en-US" smtClean="0"/>
-              <a:t>2023-07-25</a:t>
+              <a:t>2023-07-28</a:t>
             </a:fld>
             <a:endParaRPr lang="ko-KR" altLang="en-US"/>
           </a:p>
@@ -2091,7 +2096,7 @@
           <a:p>
             <a:fld id="{1D09B6D8-78CB-4C4F-A63A-CD2E05D5629A}" type="datetimeFigureOut">
               <a:rPr lang="ko-KR" altLang="en-US" smtClean="0"/>
-              <a:t>2023-07-25</a:t>
+              <a:t>2023-07-28</a:t>
             </a:fld>
             <a:endParaRPr lang="ko-KR" altLang="en-US"/>
           </a:p>
@@ -2348,7 +2353,7 @@
           <a:p>
             <a:fld id="{1D09B6D8-78CB-4C4F-A63A-CD2E05D5629A}" type="datetimeFigureOut">
               <a:rPr lang="ko-KR" altLang="en-US" smtClean="0"/>
-              <a:t>2023-07-25</a:t>
+              <a:t>2023-07-28</a:t>
             </a:fld>
             <a:endParaRPr lang="ko-KR" altLang="en-US"/>
           </a:p>
@@ -2561,7 +2566,7 @@
           <a:p>
             <a:fld id="{1D09B6D8-78CB-4C4F-A63A-CD2E05D5629A}" type="datetimeFigureOut">
               <a:rPr lang="ko-KR" altLang="en-US" smtClean="0"/>
-              <a:t>2023-07-25</a:t>
+              <a:t>2023-07-28</a:t>
             </a:fld>
             <a:endParaRPr lang="ko-KR" altLang="en-US"/>
           </a:p>
@@ -6639,6 +6644,447 @@
           </a:fontRef>
         </p:style>
       </p:cxnSp>
+      <p:sp>
+        <p:nvSpPr>
+          <p:cNvPr id="75" name="직사각형 74"/>
+          <p:cNvSpPr/>
+          <p:nvPr/>
+        </p:nvSpPr>
+        <p:spPr>
+          <a:xfrm>
+            <a:off x="7298959" y="12098387"/>
+            <a:ext cx="1240642" cy="417684"/>
+          </a:xfrm>
+          <a:prstGeom prst="rect">
+            <a:avLst/>
+          </a:prstGeom>
+          <a:solidFill>
+            <a:schemeClr val="accent3">
+              <a:lumMod val="40000"/>
+              <a:lumOff val="60000"/>
+            </a:schemeClr>
+          </a:solidFill>
+          <a:ln w="6350">
+            <a:solidFill>
+              <a:schemeClr val="tx1"/>
+            </a:solidFill>
+          </a:ln>
+        </p:spPr>
+        <p:style>
+          <a:lnRef idx="2">
+            <a:schemeClr val="accent1">
+              <a:shade val="50000"/>
+            </a:schemeClr>
+          </a:lnRef>
+          <a:fillRef idx="1">
+            <a:schemeClr val="accent1"/>
+          </a:fillRef>
+          <a:effectRef idx="0">
+            <a:schemeClr val="accent1"/>
+          </a:effectRef>
+          <a:fontRef idx="minor">
+            <a:schemeClr val="lt1"/>
+          </a:fontRef>
+        </p:style>
+        <p:txBody>
+          <a:bodyPr rot="0" spcFirstLastPara="0" vertOverflow="overflow" horzOverflow="overflow" vert="horz" wrap="square" lIns="91440" tIns="45720" rIns="91440" bIns="45720" numCol="1" spcCol="0" rtlCol="0" fromWordArt="0" anchor="ctr" anchorCtr="0" forceAA="0" compatLnSpc="1">
+            <a:prstTxWarp prst="textNoShape">
+              <a:avLst/>
+            </a:prstTxWarp>
+            <a:noAutofit/>
+          </a:bodyPr>
+          <a:lstStyle/>
+          <a:p>
+            <a:pPr algn="ctr"/>
+            <a:r>
+              <a:rPr lang="ko-KR" altLang="en-US" sz="1600" b="1" dirty="0" smtClean="0">
+                <a:solidFill>
+                  <a:schemeClr val="tx1"/>
+                </a:solidFill>
+              </a:rPr>
+              <a:t>자기소개</a:t>
+            </a:r>
+            <a:endParaRPr lang="ko-KR" altLang="en-US" sz="1600" b="1" dirty="0">
+              <a:solidFill>
+                <a:schemeClr val="tx1"/>
+              </a:solidFill>
+            </a:endParaRPr>
+          </a:p>
+        </p:txBody>
+      </p:sp>
+      <p:sp>
+        <p:nvSpPr>
+          <p:cNvPr id="76" name="타원 75"/>
+          <p:cNvSpPr/>
+          <p:nvPr/>
+        </p:nvSpPr>
+        <p:spPr>
+          <a:xfrm>
+            <a:off x="6604672" y="13133613"/>
+            <a:ext cx="1129236" cy="662613"/>
+          </a:xfrm>
+          <a:prstGeom prst="ellipse">
+            <a:avLst/>
+          </a:prstGeom>
+          <a:solidFill>
+            <a:schemeClr val="bg1"/>
+          </a:solidFill>
+          <a:ln w="6350">
+            <a:solidFill>
+              <a:schemeClr val="tx1"/>
+            </a:solidFill>
+          </a:ln>
+        </p:spPr>
+        <p:style>
+          <a:lnRef idx="2">
+            <a:schemeClr val="accent1">
+              <a:shade val="50000"/>
+            </a:schemeClr>
+          </a:lnRef>
+          <a:fillRef idx="1">
+            <a:schemeClr val="accent1"/>
+          </a:fillRef>
+          <a:effectRef idx="0">
+            <a:schemeClr val="accent1"/>
+          </a:effectRef>
+          <a:fontRef idx="minor">
+            <a:schemeClr val="lt1"/>
+          </a:fontRef>
+        </p:style>
+        <p:txBody>
+          <a:bodyPr rot="0" spcFirstLastPara="0" vertOverflow="overflow" horzOverflow="overflow" vert="horz" wrap="square" lIns="91440" tIns="45720" rIns="91440" bIns="45720" numCol="1" spcCol="0" rtlCol="0" fromWordArt="0" anchor="ctr" anchorCtr="0" forceAA="0" compatLnSpc="1">
+            <a:prstTxWarp prst="textNoShape">
+              <a:avLst/>
+            </a:prstTxWarp>
+            <a:noAutofit/>
+          </a:bodyPr>
+          <a:lstStyle/>
+          <a:p>
+            <a:pPr algn="ctr"/>
+            <a:r>
+              <a:rPr lang="ko-KR" altLang="en-US" sz="1400" dirty="0">
+                <a:solidFill>
+                  <a:srgbClr val="00B0F0"/>
+                </a:solidFill>
+              </a:rPr>
+              <a:t>아이디</a:t>
+            </a:r>
+          </a:p>
+        </p:txBody>
+      </p:sp>
+      <p:sp>
+        <p:nvSpPr>
+          <p:cNvPr id="78" name="타원 77"/>
+          <p:cNvSpPr/>
+          <p:nvPr/>
+        </p:nvSpPr>
+        <p:spPr>
+          <a:xfrm>
+            <a:off x="7951264" y="13135860"/>
+            <a:ext cx="1129236" cy="662613"/>
+          </a:xfrm>
+          <a:prstGeom prst="ellipse">
+            <a:avLst/>
+          </a:prstGeom>
+          <a:solidFill>
+            <a:schemeClr val="bg1"/>
+          </a:solidFill>
+          <a:ln w="6350">
+            <a:solidFill>
+              <a:schemeClr val="tx1"/>
+            </a:solidFill>
+          </a:ln>
+        </p:spPr>
+        <p:style>
+          <a:lnRef idx="2">
+            <a:schemeClr val="accent1">
+              <a:shade val="50000"/>
+            </a:schemeClr>
+          </a:lnRef>
+          <a:fillRef idx="1">
+            <a:schemeClr val="accent1"/>
+          </a:fillRef>
+          <a:effectRef idx="0">
+            <a:schemeClr val="accent1"/>
+          </a:effectRef>
+          <a:fontRef idx="minor">
+            <a:schemeClr val="lt1"/>
+          </a:fontRef>
+        </p:style>
+        <p:txBody>
+          <a:bodyPr rot="0" spcFirstLastPara="0" vertOverflow="overflow" horzOverflow="overflow" vert="horz" wrap="square" lIns="91440" tIns="45720" rIns="91440" bIns="45720" numCol="1" spcCol="0" rtlCol="0" fromWordArt="0" anchor="ctr" anchorCtr="0" forceAA="0" compatLnSpc="1">
+            <a:prstTxWarp prst="textNoShape">
+              <a:avLst/>
+            </a:prstTxWarp>
+            <a:noAutofit/>
+          </a:bodyPr>
+          <a:lstStyle/>
+          <a:p>
+            <a:pPr algn="ctr"/>
+            <a:r>
+              <a:rPr lang="ko-KR" altLang="en-US" sz="1400" dirty="0" smtClean="0">
+                <a:solidFill>
+                  <a:schemeClr val="tx1"/>
+                </a:solidFill>
+              </a:rPr>
+              <a:t>내용</a:t>
+            </a:r>
+            <a:endParaRPr lang="ko-KR" altLang="en-US" sz="1400" dirty="0">
+              <a:solidFill>
+                <a:schemeClr val="tx1"/>
+              </a:solidFill>
+            </a:endParaRPr>
+          </a:p>
+        </p:txBody>
+      </p:sp>
+      <p:cxnSp>
+        <p:nvCxnSpPr>
+          <p:cNvPr id="79" name="직선 화살표 연결선 78"/>
+          <p:cNvCxnSpPr>
+            <a:stCxn id="75" idx="2"/>
+            <a:endCxn id="76" idx="0"/>
+          </p:cNvCxnSpPr>
+          <p:nvPr/>
+        </p:nvCxnSpPr>
+        <p:spPr>
+          <a:xfrm flipH="1">
+            <a:off x="7169290" y="12516071"/>
+            <a:ext cx="749990" cy="617542"/>
+          </a:xfrm>
+          <a:prstGeom prst="straightConnector1">
+            <a:avLst/>
+          </a:prstGeom>
+          <a:ln>
+            <a:solidFill>
+              <a:schemeClr val="tx1"/>
+            </a:solidFill>
+            <a:tailEnd type="triangle"/>
+          </a:ln>
+        </p:spPr>
+        <p:style>
+          <a:lnRef idx="1">
+            <a:schemeClr val="accent1"/>
+          </a:lnRef>
+          <a:fillRef idx="0">
+            <a:schemeClr val="accent1"/>
+          </a:fillRef>
+          <a:effectRef idx="0">
+            <a:schemeClr val="accent1"/>
+          </a:effectRef>
+          <a:fontRef idx="minor">
+            <a:schemeClr val="tx1"/>
+          </a:fontRef>
+        </p:style>
+      </p:cxnSp>
+      <p:cxnSp>
+        <p:nvCxnSpPr>
+          <p:cNvPr id="82" name="직선 화살표 연결선 81"/>
+          <p:cNvCxnSpPr>
+            <a:stCxn id="75" idx="2"/>
+            <a:endCxn id="78" idx="0"/>
+          </p:cNvCxnSpPr>
+          <p:nvPr/>
+        </p:nvCxnSpPr>
+        <p:spPr>
+          <a:xfrm>
+            <a:off x="7919280" y="12516071"/>
+            <a:ext cx="596602" cy="619789"/>
+          </a:xfrm>
+          <a:prstGeom prst="straightConnector1">
+            <a:avLst/>
+          </a:prstGeom>
+          <a:ln>
+            <a:solidFill>
+              <a:schemeClr val="tx1"/>
+            </a:solidFill>
+            <a:tailEnd type="triangle"/>
+          </a:ln>
+        </p:spPr>
+        <p:style>
+          <a:lnRef idx="1">
+            <a:schemeClr val="accent1"/>
+          </a:lnRef>
+          <a:fillRef idx="0">
+            <a:schemeClr val="accent1"/>
+          </a:fillRef>
+          <a:effectRef idx="0">
+            <a:schemeClr val="accent1"/>
+          </a:effectRef>
+          <a:fontRef idx="minor">
+            <a:schemeClr val="tx1"/>
+          </a:fontRef>
+        </p:style>
+      </p:cxnSp>
+      <p:cxnSp>
+        <p:nvCxnSpPr>
+          <p:cNvPr id="85" name="직선 연결선 84"/>
+          <p:cNvCxnSpPr/>
+          <p:nvPr/>
+        </p:nvCxnSpPr>
+        <p:spPr>
+          <a:xfrm flipH="1" flipV="1">
+            <a:off x="13037766" y="12292225"/>
+            <a:ext cx="13571" cy="2506572"/>
+          </a:xfrm>
+          <a:prstGeom prst="line">
+            <a:avLst/>
+          </a:prstGeom>
+          <a:ln>
+            <a:solidFill>
+              <a:schemeClr val="tx1"/>
+            </a:solidFill>
+          </a:ln>
+        </p:spPr>
+        <p:style>
+          <a:lnRef idx="1">
+            <a:schemeClr val="accent1"/>
+          </a:lnRef>
+          <a:fillRef idx="0">
+            <a:schemeClr val="accent1"/>
+          </a:fillRef>
+          <a:effectRef idx="0">
+            <a:schemeClr val="accent1"/>
+          </a:effectRef>
+          <a:fontRef idx="minor">
+            <a:schemeClr val="tx1"/>
+          </a:fontRef>
+        </p:style>
+      </p:cxnSp>
+      <p:cxnSp>
+        <p:nvCxnSpPr>
+          <p:cNvPr id="87" name="직선 화살표 연결선 86"/>
+          <p:cNvCxnSpPr>
+            <a:stCxn id="75" idx="3"/>
+            <a:endCxn id="88" idx="1"/>
+          </p:cNvCxnSpPr>
+          <p:nvPr/>
+        </p:nvCxnSpPr>
+        <p:spPr>
+          <a:xfrm flipV="1">
+            <a:off x="8539601" y="12288946"/>
+            <a:ext cx="1194955" cy="18283"/>
+          </a:xfrm>
+          <a:prstGeom prst="straightConnector1">
+            <a:avLst/>
+          </a:prstGeom>
+          <a:ln>
+            <a:solidFill>
+              <a:schemeClr val="tx1"/>
+            </a:solidFill>
+            <a:tailEnd type="triangle"/>
+          </a:ln>
+        </p:spPr>
+        <p:style>
+          <a:lnRef idx="1">
+            <a:schemeClr val="accent1"/>
+          </a:lnRef>
+          <a:fillRef idx="0">
+            <a:schemeClr val="accent1"/>
+          </a:fillRef>
+          <a:effectRef idx="0">
+            <a:schemeClr val="accent1"/>
+          </a:effectRef>
+          <a:fontRef idx="minor">
+            <a:schemeClr val="tx1"/>
+          </a:fontRef>
+        </p:style>
+      </p:cxnSp>
+      <p:sp>
+        <p:nvSpPr>
+          <p:cNvPr id="88" name="다이아몬드 87"/>
+          <p:cNvSpPr/>
+          <p:nvPr/>
+        </p:nvSpPr>
+        <p:spPr>
+          <a:xfrm>
+            <a:off x="9734556" y="11870091"/>
+            <a:ext cx="1973335" cy="837710"/>
+          </a:xfrm>
+          <a:prstGeom prst="diamond">
+            <a:avLst/>
+          </a:prstGeom>
+          <a:noFill/>
+          <a:ln>
+            <a:solidFill>
+              <a:schemeClr val="tx1"/>
+            </a:solidFill>
+          </a:ln>
+        </p:spPr>
+        <p:style>
+          <a:lnRef idx="2">
+            <a:schemeClr val="accent1">
+              <a:shade val="50000"/>
+            </a:schemeClr>
+          </a:lnRef>
+          <a:fillRef idx="1">
+            <a:schemeClr val="accent1"/>
+          </a:fillRef>
+          <a:effectRef idx="0">
+            <a:schemeClr val="accent1"/>
+          </a:effectRef>
+          <a:fontRef idx="minor">
+            <a:schemeClr val="lt1"/>
+          </a:fontRef>
+        </p:style>
+        <p:txBody>
+          <a:bodyPr rtlCol="0" anchor="ctr"/>
+          <a:lstStyle/>
+          <a:p>
+            <a:pPr algn="ctr"/>
+            <a:r>
+              <a:rPr lang="ko-KR" altLang="en-US" sz="1500" dirty="0" smtClean="0">
+                <a:solidFill>
+                  <a:schemeClr val="tx1"/>
+                </a:solidFill>
+              </a:rPr>
+              <a:t>자기소개하다</a:t>
+            </a:r>
+            <a:endParaRPr lang="ko-KR" altLang="en-US" sz="1500" dirty="0">
+              <a:solidFill>
+                <a:schemeClr val="tx1"/>
+              </a:solidFill>
+            </a:endParaRPr>
+          </a:p>
+        </p:txBody>
+      </p:sp>
+      <p:cxnSp>
+        <p:nvCxnSpPr>
+          <p:cNvPr id="94" name="직선 화살표 연결선 93"/>
+          <p:cNvCxnSpPr>
+            <a:endCxn id="88" idx="3"/>
+          </p:cNvCxnSpPr>
+          <p:nvPr/>
+        </p:nvCxnSpPr>
+        <p:spPr>
+          <a:xfrm flipH="1">
+            <a:off x="11707891" y="12286887"/>
+            <a:ext cx="1327338" cy="2059"/>
+          </a:xfrm>
+          <a:prstGeom prst="straightConnector1">
+            <a:avLst/>
+          </a:prstGeom>
+          <a:ln>
+            <a:solidFill>
+              <a:schemeClr val="tx1"/>
+            </a:solidFill>
+            <a:tailEnd type="triangle"/>
+          </a:ln>
+        </p:spPr>
+        <p:style>
+          <a:lnRef idx="1">
+            <a:schemeClr val="accent1"/>
+          </a:lnRef>
+          <a:fillRef idx="0">
+            <a:schemeClr val="accent1"/>
+          </a:fillRef>
+          <a:effectRef idx="0">
+            <a:schemeClr val="accent1"/>
+          </a:effectRef>
+          <a:fontRef idx="minor">
+            <a:schemeClr val="tx1"/>
+          </a:fontRef>
+        </p:style>
+      </p:cxnSp>
     </p:spTree>
     <p:extLst>
       <p:ext uri="{BB962C8B-B14F-4D97-AF65-F5344CB8AC3E}">
